--- a/ppt 16-9/1081.亲爱主牵我.pptx
+++ b/ppt 16-9/1081.亲爱主牵我.pptx
@@ -129,7 +129,7 @@
           <p:cNvPr id="2" name="标题 1">
             <a:extLst>
               <a:ext uri="{FF2B5EF4-FFF2-40B4-BE49-F238E27FC236}">
-                <a16:creationId xmlns:a16="http://schemas.microsoft.com/office/drawing/2014/main" id="{996F2799-3225-9738-98AB-F174FBF8E270}"/>
+                <a16:creationId xmlns:a16="http://schemas.microsoft.com/office/drawing/2014/main" id="{82113EC3-06EF-84C3-9A87-FCA7B9072609}"/>
               </a:ext>
             </a:extLst>
           </p:cNvPr>
@@ -166,7 +166,7 @@
           <p:cNvPr id="3" name="副标题 2">
             <a:extLst>
               <a:ext uri="{FF2B5EF4-FFF2-40B4-BE49-F238E27FC236}">
-                <a16:creationId xmlns:a16="http://schemas.microsoft.com/office/drawing/2014/main" id="{4A0AED06-012C-AE30-A285-E96A0B1668AB}"/>
+                <a16:creationId xmlns:a16="http://schemas.microsoft.com/office/drawing/2014/main" id="{20650A88-9920-EE5F-4500-798967B85E5F}"/>
               </a:ext>
             </a:extLst>
           </p:cNvPr>
@@ -236,7 +236,7 @@
           <p:cNvPr id="4" name="日期占位符 3">
             <a:extLst>
               <a:ext uri="{FF2B5EF4-FFF2-40B4-BE49-F238E27FC236}">
-                <a16:creationId xmlns:a16="http://schemas.microsoft.com/office/drawing/2014/main" id="{80412B62-0E8A-C7F5-427E-F15A305EB2BE}"/>
+                <a16:creationId xmlns:a16="http://schemas.microsoft.com/office/drawing/2014/main" id="{608E15D7-535B-4B5D-B58B-0D9CDCDD69AC}"/>
               </a:ext>
             </a:extLst>
           </p:cNvPr>
@@ -252,7 +252,7 @@
           <a:bodyPr/>
           <a:lstStyle/>
           <a:p>
-            <a:fld id="{6BAA83B0-6796-4612-B50A-F2C7A8877A35}" type="datetimeFigureOut">
+            <a:fld id="{8147ED3E-A796-42BE-AE61-F7974F5ECFCA}" type="datetimeFigureOut">
               <a:rPr lang="zh-CN" altLang="en-US" smtClean="0"/>
               <a:t>2024/3/10</a:t>
             </a:fld>
@@ -265,7 +265,7 @@
           <p:cNvPr id="5" name="页脚占位符 4">
             <a:extLst>
               <a:ext uri="{FF2B5EF4-FFF2-40B4-BE49-F238E27FC236}">
-                <a16:creationId xmlns:a16="http://schemas.microsoft.com/office/drawing/2014/main" id="{91C76A3D-F14C-929C-B212-9262C9BA5001}"/>
+                <a16:creationId xmlns:a16="http://schemas.microsoft.com/office/drawing/2014/main" id="{A382D8F1-BC9E-1312-DEC2-3AE6DDEFD385}"/>
               </a:ext>
             </a:extLst>
           </p:cNvPr>
@@ -290,7 +290,7 @@
           <p:cNvPr id="6" name="灯片编号占位符 5">
             <a:extLst>
               <a:ext uri="{FF2B5EF4-FFF2-40B4-BE49-F238E27FC236}">
-                <a16:creationId xmlns:a16="http://schemas.microsoft.com/office/drawing/2014/main" id="{CF881638-589A-5C09-E1B2-F1DAD63F39F0}"/>
+                <a16:creationId xmlns:a16="http://schemas.microsoft.com/office/drawing/2014/main" id="{1D56361E-8C39-68F4-C359-2D7A5F1D2C14}"/>
               </a:ext>
             </a:extLst>
           </p:cNvPr>
@@ -306,7 +306,7 @@
           <a:bodyPr/>
           <a:lstStyle/>
           <a:p>
-            <a:fld id="{CDF888FC-BCDC-4E67-9A83-DD1E7789627B}" type="slidenum">
+            <a:fld id="{A17A21A0-1485-4E82-925A-61DDA500110B}" type="slidenum">
               <a:rPr lang="zh-CN" altLang="en-US" smtClean="0"/>
               <a:t>‹#›</a:t>
             </a:fld>
@@ -317,7 +317,7 @@
     </p:spTree>
     <p:extLst>
       <p:ext uri="{BB962C8B-B14F-4D97-AF65-F5344CB8AC3E}">
-        <p14:creationId xmlns:p14="http://schemas.microsoft.com/office/powerpoint/2010/main" val="2063166845"/>
+        <p14:creationId xmlns:p14="http://schemas.microsoft.com/office/powerpoint/2010/main" val="3763156970"/>
       </p:ext>
     </p:extLst>
   </p:cSld>
@@ -349,7 +349,7 @@
           <p:cNvPr id="2" name="标题 1">
             <a:extLst>
               <a:ext uri="{FF2B5EF4-FFF2-40B4-BE49-F238E27FC236}">
-                <a16:creationId xmlns:a16="http://schemas.microsoft.com/office/drawing/2014/main" id="{B3CB8D12-A7CC-E8DC-F8F4-C991575FDA1F}"/>
+                <a16:creationId xmlns:a16="http://schemas.microsoft.com/office/drawing/2014/main" id="{9001E792-3E3C-FE0B-241A-6E6C0742315A}"/>
               </a:ext>
             </a:extLst>
           </p:cNvPr>
@@ -377,7 +377,7 @@
           <p:cNvPr id="3" name="竖排文字占位符 2">
             <a:extLst>
               <a:ext uri="{FF2B5EF4-FFF2-40B4-BE49-F238E27FC236}">
-                <a16:creationId xmlns:a16="http://schemas.microsoft.com/office/drawing/2014/main" id="{D4B04596-4BD3-812C-D248-42DD9B1441DD}"/>
+                <a16:creationId xmlns:a16="http://schemas.microsoft.com/office/drawing/2014/main" id="{9C86BE7F-D624-2BF6-BAC4-B13C09C70B55}"/>
               </a:ext>
             </a:extLst>
           </p:cNvPr>
@@ -434,7 +434,7 @@
           <p:cNvPr id="4" name="日期占位符 3">
             <a:extLst>
               <a:ext uri="{FF2B5EF4-FFF2-40B4-BE49-F238E27FC236}">
-                <a16:creationId xmlns:a16="http://schemas.microsoft.com/office/drawing/2014/main" id="{A55C4E88-61E1-EC7C-76E5-043CBE3E7A08}"/>
+                <a16:creationId xmlns:a16="http://schemas.microsoft.com/office/drawing/2014/main" id="{344D6D40-5941-F2A8-592A-4F00F71DD0D3}"/>
               </a:ext>
             </a:extLst>
           </p:cNvPr>
@@ -450,7 +450,7 @@
           <a:bodyPr/>
           <a:lstStyle/>
           <a:p>
-            <a:fld id="{6BAA83B0-6796-4612-B50A-F2C7A8877A35}" type="datetimeFigureOut">
+            <a:fld id="{8147ED3E-A796-42BE-AE61-F7974F5ECFCA}" type="datetimeFigureOut">
               <a:rPr lang="zh-CN" altLang="en-US" smtClean="0"/>
               <a:t>2024/3/10</a:t>
             </a:fld>
@@ -463,7 +463,7 @@
           <p:cNvPr id="5" name="页脚占位符 4">
             <a:extLst>
               <a:ext uri="{FF2B5EF4-FFF2-40B4-BE49-F238E27FC236}">
-                <a16:creationId xmlns:a16="http://schemas.microsoft.com/office/drawing/2014/main" id="{C4F82C21-CDFD-515E-C42E-9BF00D339772}"/>
+                <a16:creationId xmlns:a16="http://schemas.microsoft.com/office/drawing/2014/main" id="{96BC7ED9-0A6A-19C1-ABC8-9ED313DF4971}"/>
               </a:ext>
             </a:extLst>
           </p:cNvPr>
@@ -488,7 +488,7 @@
           <p:cNvPr id="6" name="灯片编号占位符 5">
             <a:extLst>
               <a:ext uri="{FF2B5EF4-FFF2-40B4-BE49-F238E27FC236}">
-                <a16:creationId xmlns:a16="http://schemas.microsoft.com/office/drawing/2014/main" id="{7DC4CE0D-3296-2E38-5384-672C792BABA7}"/>
+                <a16:creationId xmlns:a16="http://schemas.microsoft.com/office/drawing/2014/main" id="{91EA0621-4AAC-E087-D271-0503AA15D1D1}"/>
               </a:ext>
             </a:extLst>
           </p:cNvPr>
@@ -504,7 +504,7 @@
           <a:bodyPr/>
           <a:lstStyle/>
           <a:p>
-            <a:fld id="{CDF888FC-BCDC-4E67-9A83-DD1E7789627B}" type="slidenum">
+            <a:fld id="{A17A21A0-1485-4E82-925A-61DDA500110B}" type="slidenum">
               <a:rPr lang="zh-CN" altLang="en-US" smtClean="0"/>
               <a:t>‹#›</a:t>
             </a:fld>
@@ -515,7 +515,7 @@
     </p:spTree>
     <p:extLst>
       <p:ext uri="{BB962C8B-B14F-4D97-AF65-F5344CB8AC3E}">
-        <p14:creationId xmlns:p14="http://schemas.microsoft.com/office/powerpoint/2010/main" val="26257151"/>
+        <p14:creationId xmlns:p14="http://schemas.microsoft.com/office/powerpoint/2010/main" val="1007860546"/>
       </p:ext>
     </p:extLst>
   </p:cSld>
@@ -547,7 +547,7 @@
           <p:cNvPr id="2" name="竖排标题 1">
             <a:extLst>
               <a:ext uri="{FF2B5EF4-FFF2-40B4-BE49-F238E27FC236}">
-                <a16:creationId xmlns:a16="http://schemas.microsoft.com/office/drawing/2014/main" id="{852931F1-AB39-EB6A-DDBB-0DDE65304D04}"/>
+                <a16:creationId xmlns:a16="http://schemas.microsoft.com/office/drawing/2014/main" id="{FF260A70-9988-1DE4-4892-86DDC48DA686}"/>
               </a:ext>
             </a:extLst>
           </p:cNvPr>
@@ -580,7 +580,7 @@
           <p:cNvPr id="3" name="竖排文字占位符 2">
             <a:extLst>
               <a:ext uri="{FF2B5EF4-FFF2-40B4-BE49-F238E27FC236}">
-                <a16:creationId xmlns:a16="http://schemas.microsoft.com/office/drawing/2014/main" id="{E07B7120-049C-D412-A689-649FAF6E190F}"/>
+                <a16:creationId xmlns:a16="http://schemas.microsoft.com/office/drawing/2014/main" id="{3DECC992-CAF7-782E-1E86-009CD0725087}"/>
               </a:ext>
             </a:extLst>
           </p:cNvPr>
@@ -642,7 +642,7 @@
           <p:cNvPr id="4" name="日期占位符 3">
             <a:extLst>
               <a:ext uri="{FF2B5EF4-FFF2-40B4-BE49-F238E27FC236}">
-                <a16:creationId xmlns:a16="http://schemas.microsoft.com/office/drawing/2014/main" id="{3AE785AD-177A-ECA2-2058-D407F459CD54}"/>
+                <a16:creationId xmlns:a16="http://schemas.microsoft.com/office/drawing/2014/main" id="{60618A52-888A-E23F-B2A0-2EAD07CA237A}"/>
               </a:ext>
             </a:extLst>
           </p:cNvPr>
@@ -658,7 +658,7 @@
           <a:bodyPr/>
           <a:lstStyle/>
           <a:p>
-            <a:fld id="{6BAA83B0-6796-4612-B50A-F2C7A8877A35}" type="datetimeFigureOut">
+            <a:fld id="{8147ED3E-A796-42BE-AE61-F7974F5ECFCA}" type="datetimeFigureOut">
               <a:rPr lang="zh-CN" altLang="en-US" smtClean="0"/>
               <a:t>2024/3/10</a:t>
             </a:fld>
@@ -671,7 +671,7 @@
           <p:cNvPr id="5" name="页脚占位符 4">
             <a:extLst>
               <a:ext uri="{FF2B5EF4-FFF2-40B4-BE49-F238E27FC236}">
-                <a16:creationId xmlns:a16="http://schemas.microsoft.com/office/drawing/2014/main" id="{210D1500-3731-6E25-5A63-6E9A0B58A719}"/>
+                <a16:creationId xmlns:a16="http://schemas.microsoft.com/office/drawing/2014/main" id="{35C65AB6-3BB6-7EAE-8296-C91802BA35D3}"/>
               </a:ext>
             </a:extLst>
           </p:cNvPr>
@@ -696,7 +696,7 @@
           <p:cNvPr id="6" name="灯片编号占位符 5">
             <a:extLst>
               <a:ext uri="{FF2B5EF4-FFF2-40B4-BE49-F238E27FC236}">
-                <a16:creationId xmlns:a16="http://schemas.microsoft.com/office/drawing/2014/main" id="{C55DBDEA-7760-D964-5F0D-F4E877AEC7CB}"/>
+                <a16:creationId xmlns:a16="http://schemas.microsoft.com/office/drawing/2014/main" id="{8DB8B246-479F-00E9-A3DE-FC5440216053}"/>
               </a:ext>
             </a:extLst>
           </p:cNvPr>
@@ -712,7 +712,7 @@
           <a:bodyPr/>
           <a:lstStyle/>
           <a:p>
-            <a:fld id="{CDF888FC-BCDC-4E67-9A83-DD1E7789627B}" type="slidenum">
+            <a:fld id="{A17A21A0-1485-4E82-925A-61DDA500110B}" type="slidenum">
               <a:rPr lang="zh-CN" altLang="en-US" smtClean="0"/>
               <a:t>‹#›</a:t>
             </a:fld>
@@ -723,7 +723,7 @@
     </p:spTree>
     <p:extLst>
       <p:ext uri="{BB962C8B-B14F-4D97-AF65-F5344CB8AC3E}">
-        <p14:creationId xmlns:p14="http://schemas.microsoft.com/office/powerpoint/2010/main" val="335274915"/>
+        <p14:creationId xmlns:p14="http://schemas.microsoft.com/office/powerpoint/2010/main" val="3221950942"/>
       </p:ext>
     </p:extLst>
   </p:cSld>
@@ -755,7 +755,7 @@
           <p:cNvPr id="2" name="标题 1">
             <a:extLst>
               <a:ext uri="{FF2B5EF4-FFF2-40B4-BE49-F238E27FC236}">
-                <a16:creationId xmlns:a16="http://schemas.microsoft.com/office/drawing/2014/main" id="{02EF367A-1751-7406-90F4-C523CE48A60B}"/>
+                <a16:creationId xmlns:a16="http://schemas.microsoft.com/office/drawing/2014/main" id="{BF247015-37B1-2011-A88C-2EA11F8605FF}"/>
               </a:ext>
             </a:extLst>
           </p:cNvPr>
@@ -783,7 +783,7 @@
           <p:cNvPr id="3" name="内容占位符 2">
             <a:extLst>
               <a:ext uri="{FF2B5EF4-FFF2-40B4-BE49-F238E27FC236}">
-                <a16:creationId xmlns:a16="http://schemas.microsoft.com/office/drawing/2014/main" id="{0FC063C0-7156-D334-F2CE-C91A601C97FC}"/>
+                <a16:creationId xmlns:a16="http://schemas.microsoft.com/office/drawing/2014/main" id="{743A77D6-8DF1-C6BA-AE2F-71724610EAF6}"/>
               </a:ext>
             </a:extLst>
           </p:cNvPr>
@@ -840,7 +840,7 @@
           <p:cNvPr id="4" name="日期占位符 3">
             <a:extLst>
               <a:ext uri="{FF2B5EF4-FFF2-40B4-BE49-F238E27FC236}">
-                <a16:creationId xmlns:a16="http://schemas.microsoft.com/office/drawing/2014/main" id="{9B1E80AD-B7A4-8108-2BAC-14509869E7B1}"/>
+                <a16:creationId xmlns:a16="http://schemas.microsoft.com/office/drawing/2014/main" id="{9C414786-9868-DCFF-46E7-B30CF44561A8}"/>
               </a:ext>
             </a:extLst>
           </p:cNvPr>
@@ -856,7 +856,7 @@
           <a:bodyPr/>
           <a:lstStyle/>
           <a:p>
-            <a:fld id="{6BAA83B0-6796-4612-B50A-F2C7A8877A35}" type="datetimeFigureOut">
+            <a:fld id="{8147ED3E-A796-42BE-AE61-F7974F5ECFCA}" type="datetimeFigureOut">
               <a:rPr lang="zh-CN" altLang="en-US" smtClean="0"/>
               <a:t>2024/3/10</a:t>
             </a:fld>
@@ -869,7 +869,7 @@
           <p:cNvPr id="5" name="页脚占位符 4">
             <a:extLst>
               <a:ext uri="{FF2B5EF4-FFF2-40B4-BE49-F238E27FC236}">
-                <a16:creationId xmlns:a16="http://schemas.microsoft.com/office/drawing/2014/main" id="{0A54DAD1-A1BC-1B79-EAA5-99E597E6875B}"/>
+                <a16:creationId xmlns:a16="http://schemas.microsoft.com/office/drawing/2014/main" id="{2C46C405-48ED-53DB-54AC-09EE749CE8F7}"/>
               </a:ext>
             </a:extLst>
           </p:cNvPr>
@@ -894,7 +894,7 @@
           <p:cNvPr id="6" name="灯片编号占位符 5">
             <a:extLst>
               <a:ext uri="{FF2B5EF4-FFF2-40B4-BE49-F238E27FC236}">
-                <a16:creationId xmlns:a16="http://schemas.microsoft.com/office/drawing/2014/main" id="{00EB3C71-3C35-15D8-F07E-3E2ED5D5AA6D}"/>
+                <a16:creationId xmlns:a16="http://schemas.microsoft.com/office/drawing/2014/main" id="{6D8E3DD0-D55A-BB74-F827-701FF0AC9BF7}"/>
               </a:ext>
             </a:extLst>
           </p:cNvPr>
@@ -910,7 +910,7 @@
           <a:bodyPr/>
           <a:lstStyle/>
           <a:p>
-            <a:fld id="{CDF888FC-BCDC-4E67-9A83-DD1E7789627B}" type="slidenum">
+            <a:fld id="{A17A21A0-1485-4E82-925A-61DDA500110B}" type="slidenum">
               <a:rPr lang="zh-CN" altLang="en-US" smtClean="0"/>
               <a:t>‹#›</a:t>
             </a:fld>
@@ -921,7 +921,7 @@
     </p:spTree>
     <p:extLst>
       <p:ext uri="{BB962C8B-B14F-4D97-AF65-F5344CB8AC3E}">
-        <p14:creationId xmlns:p14="http://schemas.microsoft.com/office/powerpoint/2010/main" val="4118281980"/>
+        <p14:creationId xmlns:p14="http://schemas.microsoft.com/office/powerpoint/2010/main" val="864299240"/>
       </p:ext>
     </p:extLst>
   </p:cSld>
@@ -953,7 +953,7 @@
           <p:cNvPr id="2" name="标题 1">
             <a:extLst>
               <a:ext uri="{FF2B5EF4-FFF2-40B4-BE49-F238E27FC236}">
-                <a16:creationId xmlns:a16="http://schemas.microsoft.com/office/drawing/2014/main" id="{0FA1B784-3C8A-8F58-4F79-C39308A2EEC3}"/>
+                <a16:creationId xmlns:a16="http://schemas.microsoft.com/office/drawing/2014/main" id="{AFC137F1-ED9D-462F-1755-0E9B2020D552}"/>
               </a:ext>
             </a:extLst>
           </p:cNvPr>
@@ -990,7 +990,7 @@
           <p:cNvPr id="3" name="文本占位符 2">
             <a:extLst>
               <a:ext uri="{FF2B5EF4-FFF2-40B4-BE49-F238E27FC236}">
-                <a16:creationId xmlns:a16="http://schemas.microsoft.com/office/drawing/2014/main" id="{FCDE4AFB-BF6B-CEC9-B94A-236D2C7E0F38}"/>
+                <a16:creationId xmlns:a16="http://schemas.microsoft.com/office/drawing/2014/main" id="{5F471966-4B53-EE4F-FF06-52EF6D369599}"/>
               </a:ext>
             </a:extLst>
           </p:cNvPr>
@@ -1115,7 +1115,7 @@
           <p:cNvPr id="4" name="日期占位符 3">
             <a:extLst>
               <a:ext uri="{FF2B5EF4-FFF2-40B4-BE49-F238E27FC236}">
-                <a16:creationId xmlns:a16="http://schemas.microsoft.com/office/drawing/2014/main" id="{B3F1B434-6158-BF71-6526-E9DF4B66DFE9}"/>
+                <a16:creationId xmlns:a16="http://schemas.microsoft.com/office/drawing/2014/main" id="{71865759-F83C-A1FB-E220-406CFA3D9937}"/>
               </a:ext>
             </a:extLst>
           </p:cNvPr>
@@ -1131,7 +1131,7 @@
           <a:bodyPr/>
           <a:lstStyle/>
           <a:p>
-            <a:fld id="{6BAA83B0-6796-4612-B50A-F2C7A8877A35}" type="datetimeFigureOut">
+            <a:fld id="{8147ED3E-A796-42BE-AE61-F7974F5ECFCA}" type="datetimeFigureOut">
               <a:rPr lang="zh-CN" altLang="en-US" smtClean="0"/>
               <a:t>2024/3/10</a:t>
             </a:fld>
@@ -1144,7 +1144,7 @@
           <p:cNvPr id="5" name="页脚占位符 4">
             <a:extLst>
               <a:ext uri="{FF2B5EF4-FFF2-40B4-BE49-F238E27FC236}">
-                <a16:creationId xmlns:a16="http://schemas.microsoft.com/office/drawing/2014/main" id="{F9B7CEA5-C718-ED37-081A-C6A24C0E1AAE}"/>
+                <a16:creationId xmlns:a16="http://schemas.microsoft.com/office/drawing/2014/main" id="{4C841DB0-35B5-2740-7E25-5B3962545E3A}"/>
               </a:ext>
             </a:extLst>
           </p:cNvPr>
@@ -1169,7 +1169,7 @@
           <p:cNvPr id="6" name="灯片编号占位符 5">
             <a:extLst>
               <a:ext uri="{FF2B5EF4-FFF2-40B4-BE49-F238E27FC236}">
-                <a16:creationId xmlns:a16="http://schemas.microsoft.com/office/drawing/2014/main" id="{875B3C1D-713D-ECBA-41C7-E223704984C8}"/>
+                <a16:creationId xmlns:a16="http://schemas.microsoft.com/office/drawing/2014/main" id="{6D65B814-8324-AD48-06CE-9EEFE103E6C4}"/>
               </a:ext>
             </a:extLst>
           </p:cNvPr>
@@ -1185,7 +1185,7 @@
           <a:bodyPr/>
           <a:lstStyle/>
           <a:p>
-            <a:fld id="{CDF888FC-BCDC-4E67-9A83-DD1E7789627B}" type="slidenum">
+            <a:fld id="{A17A21A0-1485-4E82-925A-61DDA500110B}" type="slidenum">
               <a:rPr lang="zh-CN" altLang="en-US" smtClean="0"/>
               <a:t>‹#›</a:t>
             </a:fld>
@@ -1196,7 +1196,7 @@
     </p:spTree>
     <p:extLst>
       <p:ext uri="{BB962C8B-B14F-4D97-AF65-F5344CB8AC3E}">
-        <p14:creationId xmlns:p14="http://schemas.microsoft.com/office/powerpoint/2010/main" val="3946495728"/>
+        <p14:creationId xmlns:p14="http://schemas.microsoft.com/office/powerpoint/2010/main" val="654691314"/>
       </p:ext>
     </p:extLst>
   </p:cSld>
@@ -1228,7 +1228,7 @@
           <p:cNvPr id="2" name="标题 1">
             <a:extLst>
               <a:ext uri="{FF2B5EF4-FFF2-40B4-BE49-F238E27FC236}">
-                <a16:creationId xmlns:a16="http://schemas.microsoft.com/office/drawing/2014/main" id="{E1B4B2AC-6DBC-D041-A19D-F57FD3613CE8}"/>
+                <a16:creationId xmlns:a16="http://schemas.microsoft.com/office/drawing/2014/main" id="{44F841E7-44BD-BB5B-C50B-01C9FE11D784}"/>
               </a:ext>
             </a:extLst>
           </p:cNvPr>
@@ -1256,7 +1256,7 @@
           <p:cNvPr id="3" name="内容占位符 2">
             <a:extLst>
               <a:ext uri="{FF2B5EF4-FFF2-40B4-BE49-F238E27FC236}">
-                <a16:creationId xmlns:a16="http://schemas.microsoft.com/office/drawing/2014/main" id="{368DE5DF-2AAF-66E8-77A0-5E6BBD7A160B}"/>
+                <a16:creationId xmlns:a16="http://schemas.microsoft.com/office/drawing/2014/main" id="{B48DC7F9-8C88-5607-29AD-6709D4DA1B85}"/>
               </a:ext>
             </a:extLst>
           </p:cNvPr>
@@ -1318,7 +1318,7 @@
           <p:cNvPr id="4" name="内容占位符 3">
             <a:extLst>
               <a:ext uri="{FF2B5EF4-FFF2-40B4-BE49-F238E27FC236}">
-                <a16:creationId xmlns:a16="http://schemas.microsoft.com/office/drawing/2014/main" id="{432EDABE-DA62-CEDA-4B5D-EFE015C7100B}"/>
+                <a16:creationId xmlns:a16="http://schemas.microsoft.com/office/drawing/2014/main" id="{18BE3A3E-472B-A17F-B00E-90B0532AE1B7}"/>
               </a:ext>
             </a:extLst>
           </p:cNvPr>
@@ -1380,7 +1380,7 @@
           <p:cNvPr id="5" name="日期占位符 4">
             <a:extLst>
               <a:ext uri="{FF2B5EF4-FFF2-40B4-BE49-F238E27FC236}">
-                <a16:creationId xmlns:a16="http://schemas.microsoft.com/office/drawing/2014/main" id="{4B6677EF-8ED7-A847-99B9-C2FD2F8D1AA8}"/>
+                <a16:creationId xmlns:a16="http://schemas.microsoft.com/office/drawing/2014/main" id="{0D21C48C-4117-4320-6EDD-17C71C3139D3}"/>
               </a:ext>
             </a:extLst>
           </p:cNvPr>
@@ -1396,7 +1396,7 @@
           <a:bodyPr/>
           <a:lstStyle/>
           <a:p>
-            <a:fld id="{6BAA83B0-6796-4612-B50A-F2C7A8877A35}" type="datetimeFigureOut">
+            <a:fld id="{8147ED3E-A796-42BE-AE61-F7974F5ECFCA}" type="datetimeFigureOut">
               <a:rPr lang="zh-CN" altLang="en-US" smtClean="0"/>
               <a:t>2024/3/10</a:t>
             </a:fld>
@@ -1409,7 +1409,7 @@
           <p:cNvPr id="6" name="页脚占位符 5">
             <a:extLst>
               <a:ext uri="{FF2B5EF4-FFF2-40B4-BE49-F238E27FC236}">
-                <a16:creationId xmlns:a16="http://schemas.microsoft.com/office/drawing/2014/main" id="{3CD3FEE3-399A-36C7-5977-832394A9AD15}"/>
+                <a16:creationId xmlns:a16="http://schemas.microsoft.com/office/drawing/2014/main" id="{B2F1FA93-03BA-02D4-BBBF-A302C4C019F7}"/>
               </a:ext>
             </a:extLst>
           </p:cNvPr>
@@ -1434,7 +1434,7 @@
           <p:cNvPr id="7" name="灯片编号占位符 6">
             <a:extLst>
               <a:ext uri="{FF2B5EF4-FFF2-40B4-BE49-F238E27FC236}">
-                <a16:creationId xmlns:a16="http://schemas.microsoft.com/office/drawing/2014/main" id="{36346A58-0394-5776-C878-3A967CF20EAF}"/>
+                <a16:creationId xmlns:a16="http://schemas.microsoft.com/office/drawing/2014/main" id="{EBC95A7E-BD96-9D55-9BA8-EADD2E46D60F}"/>
               </a:ext>
             </a:extLst>
           </p:cNvPr>
@@ -1450,7 +1450,7 @@
           <a:bodyPr/>
           <a:lstStyle/>
           <a:p>
-            <a:fld id="{CDF888FC-BCDC-4E67-9A83-DD1E7789627B}" type="slidenum">
+            <a:fld id="{A17A21A0-1485-4E82-925A-61DDA500110B}" type="slidenum">
               <a:rPr lang="zh-CN" altLang="en-US" smtClean="0"/>
               <a:t>‹#›</a:t>
             </a:fld>
@@ -1461,7 +1461,7 @@
     </p:spTree>
     <p:extLst>
       <p:ext uri="{BB962C8B-B14F-4D97-AF65-F5344CB8AC3E}">
-        <p14:creationId xmlns:p14="http://schemas.microsoft.com/office/powerpoint/2010/main" val="2064252445"/>
+        <p14:creationId xmlns:p14="http://schemas.microsoft.com/office/powerpoint/2010/main" val="455118992"/>
       </p:ext>
     </p:extLst>
   </p:cSld>
@@ -1493,7 +1493,7 @@
           <p:cNvPr id="2" name="标题 1">
             <a:extLst>
               <a:ext uri="{FF2B5EF4-FFF2-40B4-BE49-F238E27FC236}">
-                <a16:creationId xmlns:a16="http://schemas.microsoft.com/office/drawing/2014/main" id="{4E7C6492-39AF-EF0C-384B-9C5927F34D51}"/>
+                <a16:creationId xmlns:a16="http://schemas.microsoft.com/office/drawing/2014/main" id="{2174C0AB-2D9B-E4D7-C71C-098035470CEA}"/>
               </a:ext>
             </a:extLst>
           </p:cNvPr>
@@ -1526,7 +1526,7 @@
           <p:cNvPr id="3" name="文本占位符 2">
             <a:extLst>
               <a:ext uri="{FF2B5EF4-FFF2-40B4-BE49-F238E27FC236}">
-                <a16:creationId xmlns:a16="http://schemas.microsoft.com/office/drawing/2014/main" id="{24FE5532-B001-A402-41A1-AB4EA49FBAED}"/>
+                <a16:creationId xmlns:a16="http://schemas.microsoft.com/office/drawing/2014/main" id="{F1A6E9CC-EC52-0628-3B66-8916F733F62B}"/>
               </a:ext>
             </a:extLst>
           </p:cNvPr>
@@ -1597,7 +1597,7 @@
           <p:cNvPr id="4" name="内容占位符 3">
             <a:extLst>
               <a:ext uri="{FF2B5EF4-FFF2-40B4-BE49-F238E27FC236}">
-                <a16:creationId xmlns:a16="http://schemas.microsoft.com/office/drawing/2014/main" id="{7425BD26-CBB7-EE94-4E68-B928C3C2A99C}"/>
+                <a16:creationId xmlns:a16="http://schemas.microsoft.com/office/drawing/2014/main" id="{5F8156AC-E68B-D5FD-8852-14208D7EC7BF}"/>
               </a:ext>
             </a:extLst>
           </p:cNvPr>
@@ -1659,7 +1659,7 @@
           <p:cNvPr id="5" name="文本占位符 4">
             <a:extLst>
               <a:ext uri="{FF2B5EF4-FFF2-40B4-BE49-F238E27FC236}">
-                <a16:creationId xmlns:a16="http://schemas.microsoft.com/office/drawing/2014/main" id="{7D575DD9-767A-8AC2-52BA-DC5DF25144A1}"/>
+                <a16:creationId xmlns:a16="http://schemas.microsoft.com/office/drawing/2014/main" id="{75EF3628-B81F-1EF9-F1FF-E61B46E4E324}"/>
               </a:ext>
             </a:extLst>
           </p:cNvPr>
@@ -1730,7 +1730,7 @@
           <p:cNvPr id="6" name="内容占位符 5">
             <a:extLst>
               <a:ext uri="{FF2B5EF4-FFF2-40B4-BE49-F238E27FC236}">
-                <a16:creationId xmlns:a16="http://schemas.microsoft.com/office/drawing/2014/main" id="{4B227B2E-16B0-D0D7-A05E-31061E9EF976}"/>
+                <a16:creationId xmlns:a16="http://schemas.microsoft.com/office/drawing/2014/main" id="{594B4721-9A95-398D-000B-E9C10949DC24}"/>
               </a:ext>
             </a:extLst>
           </p:cNvPr>
@@ -1792,7 +1792,7 @@
           <p:cNvPr id="7" name="日期占位符 6">
             <a:extLst>
               <a:ext uri="{FF2B5EF4-FFF2-40B4-BE49-F238E27FC236}">
-                <a16:creationId xmlns:a16="http://schemas.microsoft.com/office/drawing/2014/main" id="{707CA36B-1A93-F98F-7FAD-C398383DE842}"/>
+                <a16:creationId xmlns:a16="http://schemas.microsoft.com/office/drawing/2014/main" id="{BC6CC8B0-6F1D-7326-40E6-635C55C60814}"/>
               </a:ext>
             </a:extLst>
           </p:cNvPr>
@@ -1808,7 +1808,7 @@
           <a:bodyPr/>
           <a:lstStyle/>
           <a:p>
-            <a:fld id="{6BAA83B0-6796-4612-B50A-F2C7A8877A35}" type="datetimeFigureOut">
+            <a:fld id="{8147ED3E-A796-42BE-AE61-F7974F5ECFCA}" type="datetimeFigureOut">
               <a:rPr lang="zh-CN" altLang="en-US" smtClean="0"/>
               <a:t>2024/3/10</a:t>
             </a:fld>
@@ -1821,7 +1821,7 @@
           <p:cNvPr id="8" name="页脚占位符 7">
             <a:extLst>
               <a:ext uri="{FF2B5EF4-FFF2-40B4-BE49-F238E27FC236}">
-                <a16:creationId xmlns:a16="http://schemas.microsoft.com/office/drawing/2014/main" id="{00F99CD3-01FC-AB55-17CB-624472CCA2DC}"/>
+                <a16:creationId xmlns:a16="http://schemas.microsoft.com/office/drawing/2014/main" id="{2C509DE3-FA96-726C-2CE8-0F56EA122F73}"/>
               </a:ext>
             </a:extLst>
           </p:cNvPr>
@@ -1846,7 +1846,7 @@
           <p:cNvPr id="9" name="灯片编号占位符 8">
             <a:extLst>
               <a:ext uri="{FF2B5EF4-FFF2-40B4-BE49-F238E27FC236}">
-                <a16:creationId xmlns:a16="http://schemas.microsoft.com/office/drawing/2014/main" id="{F939B562-9673-2202-97C3-AA60BFCB6F35}"/>
+                <a16:creationId xmlns:a16="http://schemas.microsoft.com/office/drawing/2014/main" id="{A30E85DB-4C53-059D-A82F-2AE772796D3B}"/>
               </a:ext>
             </a:extLst>
           </p:cNvPr>
@@ -1862,7 +1862,7 @@
           <a:bodyPr/>
           <a:lstStyle/>
           <a:p>
-            <a:fld id="{CDF888FC-BCDC-4E67-9A83-DD1E7789627B}" type="slidenum">
+            <a:fld id="{A17A21A0-1485-4E82-925A-61DDA500110B}" type="slidenum">
               <a:rPr lang="zh-CN" altLang="en-US" smtClean="0"/>
               <a:t>‹#›</a:t>
             </a:fld>
@@ -1873,7 +1873,7 @@
     </p:spTree>
     <p:extLst>
       <p:ext uri="{BB962C8B-B14F-4D97-AF65-F5344CB8AC3E}">
-        <p14:creationId xmlns:p14="http://schemas.microsoft.com/office/powerpoint/2010/main" val="2840940829"/>
+        <p14:creationId xmlns:p14="http://schemas.microsoft.com/office/powerpoint/2010/main" val="2862685688"/>
       </p:ext>
     </p:extLst>
   </p:cSld>
@@ -1905,7 +1905,7 @@
           <p:cNvPr id="2" name="标题 1">
             <a:extLst>
               <a:ext uri="{FF2B5EF4-FFF2-40B4-BE49-F238E27FC236}">
-                <a16:creationId xmlns:a16="http://schemas.microsoft.com/office/drawing/2014/main" id="{C7CA9A64-A273-39A3-AFA0-3403327B6326}"/>
+                <a16:creationId xmlns:a16="http://schemas.microsoft.com/office/drawing/2014/main" id="{B1F5633D-B9B9-FA57-4D57-90BC8C2002D0}"/>
               </a:ext>
             </a:extLst>
           </p:cNvPr>
@@ -1933,7 +1933,7 @@
           <p:cNvPr id="3" name="日期占位符 2">
             <a:extLst>
               <a:ext uri="{FF2B5EF4-FFF2-40B4-BE49-F238E27FC236}">
-                <a16:creationId xmlns:a16="http://schemas.microsoft.com/office/drawing/2014/main" id="{A3544618-1A45-353B-DDF5-5C688B467B0F}"/>
+                <a16:creationId xmlns:a16="http://schemas.microsoft.com/office/drawing/2014/main" id="{4DA830D5-AD59-98B3-D501-225B223D9004}"/>
               </a:ext>
             </a:extLst>
           </p:cNvPr>
@@ -1949,7 +1949,7 @@
           <a:bodyPr/>
           <a:lstStyle/>
           <a:p>
-            <a:fld id="{6BAA83B0-6796-4612-B50A-F2C7A8877A35}" type="datetimeFigureOut">
+            <a:fld id="{8147ED3E-A796-42BE-AE61-F7974F5ECFCA}" type="datetimeFigureOut">
               <a:rPr lang="zh-CN" altLang="en-US" smtClean="0"/>
               <a:t>2024/3/10</a:t>
             </a:fld>
@@ -1962,7 +1962,7 @@
           <p:cNvPr id="4" name="页脚占位符 3">
             <a:extLst>
               <a:ext uri="{FF2B5EF4-FFF2-40B4-BE49-F238E27FC236}">
-                <a16:creationId xmlns:a16="http://schemas.microsoft.com/office/drawing/2014/main" id="{FD78B93B-B3D7-B02E-F739-3A707AE77C7A}"/>
+                <a16:creationId xmlns:a16="http://schemas.microsoft.com/office/drawing/2014/main" id="{3E590D32-05A4-05A7-90DB-4844846761EE}"/>
               </a:ext>
             </a:extLst>
           </p:cNvPr>
@@ -1987,7 +1987,7 @@
           <p:cNvPr id="5" name="灯片编号占位符 4">
             <a:extLst>
               <a:ext uri="{FF2B5EF4-FFF2-40B4-BE49-F238E27FC236}">
-                <a16:creationId xmlns:a16="http://schemas.microsoft.com/office/drawing/2014/main" id="{302019B3-7E89-9A1B-63F9-D206A20AFA2B}"/>
+                <a16:creationId xmlns:a16="http://schemas.microsoft.com/office/drawing/2014/main" id="{389B2FE2-2E8A-9D92-9558-1025D7FFB3DC}"/>
               </a:ext>
             </a:extLst>
           </p:cNvPr>
@@ -2003,7 +2003,7 @@
           <a:bodyPr/>
           <a:lstStyle/>
           <a:p>
-            <a:fld id="{CDF888FC-BCDC-4E67-9A83-DD1E7789627B}" type="slidenum">
+            <a:fld id="{A17A21A0-1485-4E82-925A-61DDA500110B}" type="slidenum">
               <a:rPr lang="zh-CN" altLang="en-US" smtClean="0"/>
               <a:t>‹#›</a:t>
             </a:fld>
@@ -2014,7 +2014,7 @@
     </p:spTree>
     <p:extLst>
       <p:ext uri="{BB962C8B-B14F-4D97-AF65-F5344CB8AC3E}">
-        <p14:creationId xmlns:p14="http://schemas.microsoft.com/office/powerpoint/2010/main" val="271917067"/>
+        <p14:creationId xmlns:p14="http://schemas.microsoft.com/office/powerpoint/2010/main" val="392102437"/>
       </p:ext>
     </p:extLst>
   </p:cSld>
@@ -2046,7 +2046,7 @@
           <p:cNvPr id="2" name="日期占位符 1">
             <a:extLst>
               <a:ext uri="{FF2B5EF4-FFF2-40B4-BE49-F238E27FC236}">
-                <a16:creationId xmlns:a16="http://schemas.microsoft.com/office/drawing/2014/main" id="{3E12E40A-6431-09A3-3175-44BD089C04B0}"/>
+                <a16:creationId xmlns:a16="http://schemas.microsoft.com/office/drawing/2014/main" id="{031BC6F5-16E2-F11F-1639-E58D2A768D27}"/>
               </a:ext>
             </a:extLst>
           </p:cNvPr>
@@ -2062,7 +2062,7 @@
           <a:bodyPr/>
           <a:lstStyle/>
           <a:p>
-            <a:fld id="{6BAA83B0-6796-4612-B50A-F2C7A8877A35}" type="datetimeFigureOut">
+            <a:fld id="{8147ED3E-A796-42BE-AE61-F7974F5ECFCA}" type="datetimeFigureOut">
               <a:rPr lang="zh-CN" altLang="en-US" smtClean="0"/>
               <a:t>2024/3/10</a:t>
             </a:fld>
@@ -2075,7 +2075,7 @@
           <p:cNvPr id="3" name="页脚占位符 2">
             <a:extLst>
               <a:ext uri="{FF2B5EF4-FFF2-40B4-BE49-F238E27FC236}">
-                <a16:creationId xmlns:a16="http://schemas.microsoft.com/office/drawing/2014/main" id="{CA1FBE97-12C2-F8FC-7E41-2C0C2B558221}"/>
+                <a16:creationId xmlns:a16="http://schemas.microsoft.com/office/drawing/2014/main" id="{9DD92BE4-9E3A-1D5C-8277-DE542E7E9CBE}"/>
               </a:ext>
             </a:extLst>
           </p:cNvPr>
@@ -2100,7 +2100,7 @@
           <p:cNvPr id="4" name="灯片编号占位符 3">
             <a:extLst>
               <a:ext uri="{FF2B5EF4-FFF2-40B4-BE49-F238E27FC236}">
-                <a16:creationId xmlns:a16="http://schemas.microsoft.com/office/drawing/2014/main" id="{12F5C5D9-B9BB-DBBA-B38C-836C56BA9778}"/>
+                <a16:creationId xmlns:a16="http://schemas.microsoft.com/office/drawing/2014/main" id="{5B0CB395-3894-D5C4-1034-AA5D2A04453A}"/>
               </a:ext>
             </a:extLst>
           </p:cNvPr>
@@ -2116,7 +2116,7 @@
           <a:bodyPr/>
           <a:lstStyle/>
           <a:p>
-            <a:fld id="{CDF888FC-BCDC-4E67-9A83-DD1E7789627B}" type="slidenum">
+            <a:fld id="{A17A21A0-1485-4E82-925A-61DDA500110B}" type="slidenum">
               <a:rPr lang="zh-CN" altLang="en-US" smtClean="0"/>
               <a:t>‹#›</a:t>
             </a:fld>
@@ -2127,7 +2127,7 @@
     </p:spTree>
     <p:extLst>
       <p:ext uri="{BB962C8B-B14F-4D97-AF65-F5344CB8AC3E}">
-        <p14:creationId xmlns:p14="http://schemas.microsoft.com/office/powerpoint/2010/main" val="694869617"/>
+        <p14:creationId xmlns:p14="http://schemas.microsoft.com/office/powerpoint/2010/main" val="75358497"/>
       </p:ext>
     </p:extLst>
   </p:cSld>
@@ -2159,7 +2159,7 @@
           <p:cNvPr id="2" name="标题 1">
             <a:extLst>
               <a:ext uri="{FF2B5EF4-FFF2-40B4-BE49-F238E27FC236}">
-                <a16:creationId xmlns:a16="http://schemas.microsoft.com/office/drawing/2014/main" id="{F81660AE-47BC-8D1D-FB77-2519271C96CE}"/>
+                <a16:creationId xmlns:a16="http://schemas.microsoft.com/office/drawing/2014/main" id="{4C0B7A3E-2999-4BB6-9699-312DBF51E404}"/>
               </a:ext>
             </a:extLst>
           </p:cNvPr>
@@ -2196,7 +2196,7 @@
           <p:cNvPr id="3" name="内容占位符 2">
             <a:extLst>
               <a:ext uri="{FF2B5EF4-FFF2-40B4-BE49-F238E27FC236}">
-                <a16:creationId xmlns:a16="http://schemas.microsoft.com/office/drawing/2014/main" id="{63466680-4F4E-CBD8-8D40-801F35E7CFA2}"/>
+                <a16:creationId xmlns:a16="http://schemas.microsoft.com/office/drawing/2014/main" id="{F972EFF9-0628-149A-9DD9-F6B6D459FF23}"/>
               </a:ext>
             </a:extLst>
           </p:cNvPr>
@@ -2286,7 +2286,7 @@
           <p:cNvPr id="4" name="文本占位符 3">
             <a:extLst>
               <a:ext uri="{FF2B5EF4-FFF2-40B4-BE49-F238E27FC236}">
-                <a16:creationId xmlns:a16="http://schemas.microsoft.com/office/drawing/2014/main" id="{AAD8D012-929F-9925-7B53-2C7664A28FFE}"/>
+                <a16:creationId xmlns:a16="http://schemas.microsoft.com/office/drawing/2014/main" id="{1C28D3A5-7FC1-D532-71E8-B4123CE2B40C}"/>
               </a:ext>
             </a:extLst>
           </p:cNvPr>
@@ -2357,7 +2357,7 @@
           <p:cNvPr id="5" name="日期占位符 4">
             <a:extLst>
               <a:ext uri="{FF2B5EF4-FFF2-40B4-BE49-F238E27FC236}">
-                <a16:creationId xmlns:a16="http://schemas.microsoft.com/office/drawing/2014/main" id="{341B22A3-F9E7-B127-51F7-A4B096805352}"/>
+                <a16:creationId xmlns:a16="http://schemas.microsoft.com/office/drawing/2014/main" id="{3C10059A-7E91-C111-5A9E-5A914843AB3B}"/>
               </a:ext>
             </a:extLst>
           </p:cNvPr>
@@ -2373,7 +2373,7 @@
           <a:bodyPr/>
           <a:lstStyle/>
           <a:p>
-            <a:fld id="{6BAA83B0-6796-4612-B50A-F2C7A8877A35}" type="datetimeFigureOut">
+            <a:fld id="{8147ED3E-A796-42BE-AE61-F7974F5ECFCA}" type="datetimeFigureOut">
               <a:rPr lang="zh-CN" altLang="en-US" smtClean="0"/>
               <a:t>2024/3/10</a:t>
             </a:fld>
@@ -2386,7 +2386,7 @@
           <p:cNvPr id="6" name="页脚占位符 5">
             <a:extLst>
               <a:ext uri="{FF2B5EF4-FFF2-40B4-BE49-F238E27FC236}">
-                <a16:creationId xmlns:a16="http://schemas.microsoft.com/office/drawing/2014/main" id="{4C7B1884-135D-F3FC-BFC5-2C32DE6C60E9}"/>
+                <a16:creationId xmlns:a16="http://schemas.microsoft.com/office/drawing/2014/main" id="{4E160225-A1C2-C56B-364E-1C3511A83AF1}"/>
               </a:ext>
             </a:extLst>
           </p:cNvPr>
@@ -2411,7 +2411,7 @@
           <p:cNvPr id="7" name="灯片编号占位符 6">
             <a:extLst>
               <a:ext uri="{FF2B5EF4-FFF2-40B4-BE49-F238E27FC236}">
-                <a16:creationId xmlns:a16="http://schemas.microsoft.com/office/drawing/2014/main" id="{0667C625-B697-89CD-A833-F6B93C9E150E}"/>
+                <a16:creationId xmlns:a16="http://schemas.microsoft.com/office/drawing/2014/main" id="{4CE39BB8-9FCB-DD3C-07D1-77FCEDB3229B}"/>
               </a:ext>
             </a:extLst>
           </p:cNvPr>
@@ -2427,7 +2427,7 @@
           <a:bodyPr/>
           <a:lstStyle/>
           <a:p>
-            <a:fld id="{CDF888FC-BCDC-4E67-9A83-DD1E7789627B}" type="slidenum">
+            <a:fld id="{A17A21A0-1485-4E82-925A-61DDA500110B}" type="slidenum">
               <a:rPr lang="zh-CN" altLang="en-US" smtClean="0"/>
               <a:t>‹#›</a:t>
             </a:fld>
@@ -2438,7 +2438,7 @@
     </p:spTree>
     <p:extLst>
       <p:ext uri="{BB962C8B-B14F-4D97-AF65-F5344CB8AC3E}">
-        <p14:creationId xmlns:p14="http://schemas.microsoft.com/office/powerpoint/2010/main" val="2723180614"/>
+        <p14:creationId xmlns:p14="http://schemas.microsoft.com/office/powerpoint/2010/main" val="1743310057"/>
       </p:ext>
     </p:extLst>
   </p:cSld>
@@ -2470,7 +2470,7 @@
           <p:cNvPr id="2" name="标题 1">
             <a:extLst>
               <a:ext uri="{FF2B5EF4-FFF2-40B4-BE49-F238E27FC236}">
-                <a16:creationId xmlns:a16="http://schemas.microsoft.com/office/drawing/2014/main" id="{8DDD4E7A-6CAE-4444-3A1C-431831E28A23}"/>
+                <a16:creationId xmlns:a16="http://schemas.microsoft.com/office/drawing/2014/main" id="{C5B0C8DD-00E4-9CA4-14C4-12DC08804C30}"/>
               </a:ext>
             </a:extLst>
           </p:cNvPr>
@@ -2507,7 +2507,7 @@
           <p:cNvPr id="3" name="图片占位符 2">
             <a:extLst>
               <a:ext uri="{FF2B5EF4-FFF2-40B4-BE49-F238E27FC236}">
-                <a16:creationId xmlns:a16="http://schemas.microsoft.com/office/drawing/2014/main" id="{7F257834-C498-73F1-62C3-667EC0A0B895}"/>
+                <a16:creationId xmlns:a16="http://schemas.microsoft.com/office/drawing/2014/main" id="{708D7078-AC47-6AC4-0D07-74A757627A16}"/>
               </a:ext>
             </a:extLst>
           </p:cNvPr>
@@ -2574,7 +2574,7 @@
           <p:cNvPr id="4" name="文本占位符 3">
             <a:extLst>
               <a:ext uri="{FF2B5EF4-FFF2-40B4-BE49-F238E27FC236}">
-                <a16:creationId xmlns:a16="http://schemas.microsoft.com/office/drawing/2014/main" id="{E8CCE853-CFB1-0EC8-B99B-532EBF8CF94C}"/>
+                <a16:creationId xmlns:a16="http://schemas.microsoft.com/office/drawing/2014/main" id="{C60E2D72-DA9A-545C-C0BE-979363969580}"/>
               </a:ext>
             </a:extLst>
           </p:cNvPr>
@@ -2645,7 +2645,7 @@
           <p:cNvPr id="5" name="日期占位符 4">
             <a:extLst>
               <a:ext uri="{FF2B5EF4-FFF2-40B4-BE49-F238E27FC236}">
-                <a16:creationId xmlns:a16="http://schemas.microsoft.com/office/drawing/2014/main" id="{C317AFB1-32BB-7E26-48F3-877BEF90B069}"/>
+                <a16:creationId xmlns:a16="http://schemas.microsoft.com/office/drawing/2014/main" id="{7F74412E-9999-D8CB-0E48-2CA36209FA69}"/>
               </a:ext>
             </a:extLst>
           </p:cNvPr>
@@ -2661,7 +2661,7 @@
           <a:bodyPr/>
           <a:lstStyle/>
           <a:p>
-            <a:fld id="{6BAA83B0-6796-4612-B50A-F2C7A8877A35}" type="datetimeFigureOut">
+            <a:fld id="{8147ED3E-A796-42BE-AE61-F7974F5ECFCA}" type="datetimeFigureOut">
               <a:rPr lang="zh-CN" altLang="en-US" smtClean="0"/>
               <a:t>2024/3/10</a:t>
             </a:fld>
@@ -2674,7 +2674,7 @@
           <p:cNvPr id="6" name="页脚占位符 5">
             <a:extLst>
               <a:ext uri="{FF2B5EF4-FFF2-40B4-BE49-F238E27FC236}">
-                <a16:creationId xmlns:a16="http://schemas.microsoft.com/office/drawing/2014/main" id="{D5CA8BF3-DBF5-47EF-2D38-B6590015914E}"/>
+                <a16:creationId xmlns:a16="http://schemas.microsoft.com/office/drawing/2014/main" id="{8043A139-B8AB-D226-E7D3-3507B344AAC3}"/>
               </a:ext>
             </a:extLst>
           </p:cNvPr>
@@ -2699,7 +2699,7 @@
           <p:cNvPr id="7" name="灯片编号占位符 6">
             <a:extLst>
               <a:ext uri="{FF2B5EF4-FFF2-40B4-BE49-F238E27FC236}">
-                <a16:creationId xmlns:a16="http://schemas.microsoft.com/office/drawing/2014/main" id="{F44D9C0F-6ABC-27B9-8DCF-06B5FB6A4A54}"/>
+                <a16:creationId xmlns:a16="http://schemas.microsoft.com/office/drawing/2014/main" id="{58F8D904-A272-A26C-53D6-6EE50315C868}"/>
               </a:ext>
             </a:extLst>
           </p:cNvPr>
@@ -2715,7 +2715,7 @@
           <a:bodyPr/>
           <a:lstStyle/>
           <a:p>
-            <a:fld id="{CDF888FC-BCDC-4E67-9A83-DD1E7789627B}" type="slidenum">
+            <a:fld id="{A17A21A0-1485-4E82-925A-61DDA500110B}" type="slidenum">
               <a:rPr lang="zh-CN" altLang="en-US" smtClean="0"/>
               <a:t>‹#›</a:t>
             </a:fld>
@@ -2726,7 +2726,7 @@
     </p:spTree>
     <p:extLst>
       <p:ext uri="{BB962C8B-B14F-4D97-AF65-F5344CB8AC3E}">
-        <p14:creationId xmlns:p14="http://schemas.microsoft.com/office/powerpoint/2010/main" val="2736785051"/>
+        <p14:creationId xmlns:p14="http://schemas.microsoft.com/office/powerpoint/2010/main" val="2672086647"/>
       </p:ext>
     </p:extLst>
   </p:cSld>
@@ -2763,7 +2763,7 @@
           <p:cNvPr id="2" name="标题占位符 1">
             <a:extLst>
               <a:ext uri="{FF2B5EF4-FFF2-40B4-BE49-F238E27FC236}">
-                <a16:creationId xmlns:a16="http://schemas.microsoft.com/office/drawing/2014/main" id="{34D2D01A-9F84-1E3F-3B1C-AB3134A8E9E7}"/>
+                <a16:creationId xmlns:a16="http://schemas.microsoft.com/office/drawing/2014/main" id="{EF9E112E-B2FA-63C4-5D2B-C2D0BC30D163}"/>
               </a:ext>
             </a:extLst>
           </p:cNvPr>
@@ -2801,7 +2801,7 @@
           <p:cNvPr id="3" name="文本占位符 2">
             <a:extLst>
               <a:ext uri="{FF2B5EF4-FFF2-40B4-BE49-F238E27FC236}">
-                <a16:creationId xmlns:a16="http://schemas.microsoft.com/office/drawing/2014/main" id="{3BA11DB6-90E6-4A92-4DAE-FC37E9FC51A1}"/>
+                <a16:creationId xmlns:a16="http://schemas.microsoft.com/office/drawing/2014/main" id="{7EC5EB1B-FF85-64A3-E517-DCC03BEB8A97}"/>
               </a:ext>
             </a:extLst>
           </p:cNvPr>
@@ -2868,7 +2868,7 @@
           <p:cNvPr id="4" name="日期占位符 3">
             <a:extLst>
               <a:ext uri="{FF2B5EF4-FFF2-40B4-BE49-F238E27FC236}">
-                <a16:creationId xmlns:a16="http://schemas.microsoft.com/office/drawing/2014/main" id="{50040D39-15A0-9740-1436-BD3833B9F2C2}"/>
+                <a16:creationId xmlns:a16="http://schemas.microsoft.com/office/drawing/2014/main" id="{D465748A-A6C9-C6F7-EA49-9B2A87BEC698}"/>
               </a:ext>
             </a:extLst>
           </p:cNvPr>
@@ -2902,7 +2902,7 @@
             </a:lvl1pPr>
           </a:lstStyle>
           <a:p>
-            <a:fld id="{6BAA83B0-6796-4612-B50A-F2C7A8877A35}" type="datetimeFigureOut">
+            <a:fld id="{8147ED3E-A796-42BE-AE61-F7974F5ECFCA}" type="datetimeFigureOut">
               <a:rPr lang="zh-CN" altLang="en-US" smtClean="0"/>
               <a:t>2024/3/10</a:t>
             </a:fld>
@@ -2915,7 +2915,7 @@
           <p:cNvPr id="5" name="页脚占位符 4">
             <a:extLst>
               <a:ext uri="{FF2B5EF4-FFF2-40B4-BE49-F238E27FC236}">
-                <a16:creationId xmlns:a16="http://schemas.microsoft.com/office/drawing/2014/main" id="{F86854DB-FE9F-EE70-4E53-A5ADAA3AF5D7}"/>
+                <a16:creationId xmlns:a16="http://schemas.microsoft.com/office/drawing/2014/main" id="{6114A201-600D-FA6B-FBAF-E0D33AD4257F}"/>
               </a:ext>
             </a:extLst>
           </p:cNvPr>
@@ -2958,7 +2958,7 @@
           <p:cNvPr id="6" name="灯片编号占位符 5">
             <a:extLst>
               <a:ext uri="{FF2B5EF4-FFF2-40B4-BE49-F238E27FC236}">
-                <a16:creationId xmlns:a16="http://schemas.microsoft.com/office/drawing/2014/main" id="{6B2D9624-1C4B-5ED5-D61B-CAA15418066B}"/>
+                <a16:creationId xmlns:a16="http://schemas.microsoft.com/office/drawing/2014/main" id="{AD623344-941B-4665-8AA2-EB40259A4A29}"/>
               </a:ext>
             </a:extLst>
           </p:cNvPr>
@@ -2992,7 +2992,7 @@
             </a:lvl1pPr>
           </a:lstStyle>
           <a:p>
-            <a:fld id="{CDF888FC-BCDC-4E67-9A83-DD1E7789627B}" type="slidenum">
+            <a:fld id="{A17A21A0-1485-4E82-925A-61DDA500110B}" type="slidenum">
               <a:rPr lang="zh-CN" altLang="en-US" smtClean="0"/>
               <a:t>‹#›</a:t>
             </a:fld>
@@ -3003,7 +3003,7 @@
     </p:spTree>
     <p:extLst>
       <p:ext uri="{BB962C8B-B14F-4D97-AF65-F5344CB8AC3E}">
-        <p14:creationId xmlns:p14="http://schemas.microsoft.com/office/powerpoint/2010/main" val="2515372344"/>
+        <p14:creationId xmlns:p14="http://schemas.microsoft.com/office/powerpoint/2010/main" val="1862186391"/>
       </p:ext>
     </p:extLst>
   </p:cSld>
